--- a/Powerpoints/Project Week_Pursuit of Happiness_v0.1.pptx
+++ b/Powerpoints/Project Week_Pursuit of Happiness_v0.1.pptx
@@ -188,6 +188,50 @@
 </p:presentation>
 </file>
 
+<file path=ppt/changesInfos/changesInfo1.xml><?xml version="1.0" encoding="utf-8"?>
+<pc:chgInfo xmlns:a="http://schemas.openxmlformats.org/drawingml/2006/main" xmlns:r="http://schemas.openxmlformats.org/officeDocument/2006/relationships" xmlns:ac="http://schemas.microsoft.com/office/drawing/2013/main/command" xmlns:pc="http://schemas.microsoft.com/office/powerpoint/2013/main/command">
+  <pc:docChgLst>
+    <pc:chgData name="Shojaie, Sheri" userId="47fee82b-f055-4c7f-9882-34505c0b1ac8" providerId="ADAL" clId="{5D0BD9C6-14A1-42D5-9B60-4FE2BAEA0085}"/>
+    <pc:docChg chg="undo addSld delSld modSld modSection">
+      <pc:chgData name="Shojaie, Sheri" userId="47fee82b-f055-4c7f-9882-34505c0b1ac8" providerId="ADAL" clId="{5D0BD9C6-14A1-42D5-9B60-4FE2BAEA0085}" dt="2020-06-29T00:44:24.998" v="8" actId="2696"/>
+      <pc:docMkLst>
+        <pc:docMk/>
+      </pc:docMkLst>
+      <pc:sldChg chg="modSp">
+        <pc:chgData name="Shojaie, Sheri" userId="47fee82b-f055-4c7f-9882-34505c0b1ac8" providerId="ADAL" clId="{5D0BD9C6-14A1-42D5-9B60-4FE2BAEA0085}" dt="2020-06-28T22:37:13.263" v="2" actId="1076"/>
+        <pc:sldMkLst>
+          <pc:docMk/>
+          <pc:sldMk cId="646714" sldId="290"/>
+        </pc:sldMkLst>
+        <pc:picChg chg="mod">
+          <ac:chgData name="Shojaie, Sheri" userId="47fee82b-f055-4c7f-9882-34505c0b1ac8" providerId="ADAL" clId="{5D0BD9C6-14A1-42D5-9B60-4FE2BAEA0085}" dt="2020-06-28T22:37:13.263" v="2" actId="1076"/>
+          <ac:picMkLst>
+            <pc:docMk/>
+            <pc:sldMk cId="646714" sldId="290"/>
+            <ac:picMk id="3" creationId="{C14E9911-5FA6-4471-8E0B-2FC900FB9CDF}"/>
+          </ac:picMkLst>
+        </pc:picChg>
+      </pc:sldChg>
+      <pc:sldChg chg="modSp add del">
+        <pc:chgData name="Shojaie, Sheri" userId="47fee82b-f055-4c7f-9882-34505c0b1ac8" providerId="ADAL" clId="{5D0BD9C6-14A1-42D5-9B60-4FE2BAEA0085}" dt="2020-06-29T00:44:24.998" v="8" actId="2696"/>
+        <pc:sldMkLst>
+          <pc:docMk/>
+          <pc:sldMk cId="2065934242" sldId="299"/>
+        </pc:sldMkLst>
+        <pc:spChg chg="mod">
+          <ac:chgData name="Shojaie, Sheri" userId="47fee82b-f055-4c7f-9882-34505c0b1ac8" providerId="ADAL" clId="{5D0BD9C6-14A1-42D5-9B60-4FE2BAEA0085}" dt="2020-06-29T00:44:23.096" v="7" actId="20577"/>
+          <ac:spMkLst>
+            <pc:docMk/>
+            <pc:sldMk cId="2065934242" sldId="299"/>
+            <ac:spMk id="8" creationId="{AB65C920-0062-436D-B668-2CD0467749E2}"/>
+          </ac:spMkLst>
+        </pc:spChg>
+      </pc:sldChg>
+    </pc:docChg>
+  </pc:docChgLst>
+</pc:chgInfo>
+</file>
+
 <file path=ppt/notesMasters/notesMaster1.xml><?xml version="1.0" encoding="utf-8"?>
 <p:notesMaster xmlns:a="http://schemas.openxmlformats.org/drawingml/2006/main" xmlns:r="http://schemas.openxmlformats.org/officeDocument/2006/relationships" xmlns:p="http://schemas.openxmlformats.org/presentationml/2006/main">
   <p:cSld>
@@ -270,7 +314,7 @@
           <a:p>
             <a:fld id="{53A15A6B-0A0F-4082-B539-F53EC1EBDB3B}" type="datetimeFigureOut">
               <a:rPr lang="en-CA" smtClean="0"/>
-              <a:t>6/25/2020</a:t>
+              <a:t>6/28/2020</a:t>
             </a:fld>
             <a:endParaRPr lang="en-CA"/>
           </a:p>
@@ -1102,7 +1146,7 @@
           <a:p>
             <a:fld id="{1CE87501-5085-4364-BE08-740F2101A68E}" type="datetimeFigureOut">
               <a:rPr lang="en-CA" smtClean="0"/>
-              <a:t>6/25/2020</a:t>
+              <a:t>6/28/2020</a:t>
             </a:fld>
             <a:endParaRPr lang="en-CA"/>
           </a:p>
@@ -1281,7 +1325,7 @@
           <a:p>
             <a:fld id="{1CE87501-5085-4364-BE08-740F2101A68E}" type="datetimeFigureOut">
               <a:rPr lang="en-CA" smtClean="0"/>
-              <a:t>6/25/2020</a:t>
+              <a:t>6/28/2020</a:t>
             </a:fld>
             <a:endParaRPr lang="en-CA"/>
           </a:p>
@@ -1461,7 +1505,7 @@
           <a:p>
             <a:fld id="{1CE87501-5085-4364-BE08-740F2101A68E}" type="datetimeFigureOut">
               <a:rPr lang="en-CA" smtClean="0"/>
-              <a:t>6/25/2020</a:t>
+              <a:t>6/28/2020</a:t>
             </a:fld>
             <a:endParaRPr lang="en-CA"/>
           </a:p>
@@ -1631,7 +1675,7 @@
           <a:p>
             <a:fld id="{1CE87501-5085-4364-BE08-740F2101A68E}" type="datetimeFigureOut">
               <a:rPr lang="en-CA" smtClean="0"/>
-              <a:t>6/25/2020</a:t>
+              <a:t>6/28/2020</a:t>
             </a:fld>
             <a:endParaRPr lang="en-CA"/>
           </a:p>
@@ -1944,7 +1988,7 @@
           <a:p>
             <a:fld id="{1CE87501-5085-4364-BE08-740F2101A68E}" type="datetimeFigureOut">
               <a:rPr lang="en-CA" smtClean="0"/>
-              <a:t>6/25/2020</a:t>
+              <a:t>6/28/2020</a:t>
             </a:fld>
             <a:endParaRPr lang="en-CA"/>
           </a:p>
@@ -2330,7 +2374,7 @@
           <a:p>
             <a:fld id="{1CE87501-5085-4364-BE08-740F2101A68E}" type="datetimeFigureOut">
               <a:rPr lang="en-CA" smtClean="0"/>
-              <a:t>6/25/2020</a:t>
+              <a:t>6/28/2020</a:t>
             </a:fld>
             <a:endParaRPr lang="en-CA"/>
           </a:p>
@@ -2764,7 +2808,7 @@
           <a:p>
             <a:fld id="{1CE87501-5085-4364-BE08-740F2101A68E}" type="datetimeFigureOut">
               <a:rPr lang="en-CA" smtClean="0"/>
-              <a:t>6/25/2020</a:t>
+              <a:t>6/28/2020</a:t>
             </a:fld>
             <a:endParaRPr lang="en-CA"/>
           </a:p>
@@ -2882,7 +2926,7 @@
           <a:p>
             <a:fld id="{1CE87501-5085-4364-BE08-740F2101A68E}" type="datetimeFigureOut">
               <a:rPr lang="en-CA" smtClean="0"/>
-              <a:t>6/25/2020</a:t>
+              <a:t>6/28/2020</a:t>
             </a:fld>
             <a:endParaRPr lang="en-CA"/>
           </a:p>
@@ -2977,7 +3021,7 @@
           <a:p>
             <a:fld id="{1CE87501-5085-4364-BE08-740F2101A68E}" type="datetimeFigureOut">
               <a:rPr lang="en-CA" smtClean="0"/>
-              <a:t>6/25/2020</a:t>
+              <a:t>6/28/2020</a:t>
             </a:fld>
             <a:endParaRPr lang="en-CA"/>
           </a:p>
@@ -3327,7 +3371,7 @@
           <a:p>
             <a:fld id="{1CE87501-5085-4364-BE08-740F2101A68E}" type="datetimeFigureOut">
               <a:rPr lang="en-CA" smtClean="0"/>
-              <a:t>6/25/2020</a:t>
+              <a:t>6/28/2020</a:t>
             </a:fld>
             <a:endParaRPr lang="en-CA"/>
           </a:p>
@@ -3752,7 +3796,7 @@
           <a:p>
             <a:fld id="{1CE87501-5085-4364-BE08-740F2101A68E}" type="datetimeFigureOut">
               <a:rPr lang="en-CA" smtClean="0"/>
-              <a:t>6/25/2020</a:t>
+              <a:t>6/28/2020</a:t>
             </a:fld>
             <a:endParaRPr lang="en-CA"/>
           </a:p>
@@ -4033,7 +4077,7 @@
           <a:p>
             <a:fld id="{1CE87501-5085-4364-BE08-740F2101A68E}" type="datetimeFigureOut">
               <a:rPr lang="en-CA" smtClean="0"/>
-              <a:t>6/25/2020</a:t>
+              <a:t>6/28/2020</a:t>
             </a:fld>
             <a:endParaRPr lang="en-CA"/>
           </a:p>
@@ -16772,8 +16816,8 @@
         </p:blipFill>
         <p:spPr>
           <a:xfrm>
-            <a:off x="2246283" y="2773872"/>
-            <a:ext cx="6319748" cy="3553929"/>
+            <a:off x="409799" y="966235"/>
+            <a:ext cx="8758786" cy="4925529"/>
           </a:xfrm>
           <a:prstGeom prst="rect">
             <a:avLst/>
@@ -20522,6 +20566,12 @@
 </file>
 
 <file path=customXml/item2.xml><?xml version="1.0" encoding="utf-8"?>
+<p:properties xmlns:p="http://schemas.microsoft.com/office/2006/metadata/properties" xmlns:xsi="http://www.w3.org/2001/XMLSchema-instance" xmlns:pc="http://schemas.microsoft.com/office/infopath/2007/PartnerControls">
+  <documentManagement/>
+</p:properties>
+</file>
+
+<file path=customXml/item3.xml><?xml version="1.0" encoding="utf-8"?>
 <ct:contentTypeSchema xmlns:ct="http://schemas.microsoft.com/office/2006/metadata/contentType" xmlns:ma="http://schemas.microsoft.com/office/2006/metadata/properties/metaAttributes" ct:_="" ma:_="" ma:contentTypeName="Document" ma:contentTypeID="0x01010017584F31B5C7CA498BEC046CF8403204" ma:contentTypeVersion="10" ma:contentTypeDescription="Create a new document." ma:contentTypeScope="" ma:versionID="3ca0af738203bab10c26d8927223bfe4">
   <xsd:schema xmlns:xsd="http://www.w3.org/2001/XMLSchema" xmlns:xs="http://www.w3.org/2001/XMLSchema" xmlns:p="http://schemas.microsoft.com/office/2006/metadata/properties" xmlns:ns3="e1016093-e49d-4fde-a266-0160fb5d213d" targetNamespace="http://schemas.microsoft.com/office/2006/metadata/properties" ma:root="true" ma:fieldsID="a7b594759d77e3f213e45e32c2207599" ns3:_="">
     <xsd:import namespace="e1016093-e49d-4fde-a266-0160fb5d213d"/>
@@ -20705,12 +20755,6 @@
 </ct:contentTypeSchema>
 </file>
 
-<file path=customXml/item3.xml><?xml version="1.0" encoding="utf-8"?>
-<p:properties xmlns:p="http://schemas.microsoft.com/office/2006/metadata/properties" xmlns:xsi="http://www.w3.org/2001/XMLSchema-instance" xmlns:pc="http://schemas.microsoft.com/office/infopath/2007/PartnerControls">
-  <documentManagement/>
-</p:properties>
-</file>
-
 <file path=customXml/itemProps1.xml><?xml version="1.0" encoding="utf-8"?>
 <ds:datastoreItem xmlns:ds="http://schemas.openxmlformats.org/officeDocument/2006/customXml" ds:itemID="{3904CAA2-17EE-4D1B-B452-69CC0BB5016B}">
   <ds:schemaRefs>
@@ -20720,6 +20764,22 @@
 </file>
 
 <file path=customXml/itemProps2.xml><?xml version="1.0" encoding="utf-8"?>
+<ds:datastoreItem xmlns:ds="http://schemas.openxmlformats.org/officeDocument/2006/customXml" ds:itemID="{A3D29A05-72E6-4F99-88B9-7A95D1A09BDF}">
+  <ds:schemaRefs>
+    <ds:schemaRef ds:uri="http://purl.org/dc/terms/"/>
+    <ds:schemaRef ds:uri="http://schemas.openxmlformats.org/package/2006/metadata/core-properties"/>
+    <ds:schemaRef ds:uri="http://schemas.microsoft.com/office/2006/documentManagement/types"/>
+    <ds:schemaRef ds:uri="http://schemas.microsoft.com/office/infopath/2007/PartnerControls"/>
+    <ds:schemaRef ds:uri="e1016093-e49d-4fde-a266-0160fb5d213d"/>
+    <ds:schemaRef ds:uri="http://purl.org/dc/elements/1.1/"/>
+    <ds:schemaRef ds:uri="http://schemas.microsoft.com/office/2006/metadata/properties"/>
+    <ds:schemaRef ds:uri="http://www.w3.org/XML/1998/namespace"/>
+    <ds:schemaRef ds:uri="http://purl.org/dc/dcmitype/"/>
+  </ds:schemaRefs>
+</ds:datastoreItem>
+</file>
+
+<file path=customXml/itemProps3.xml><?xml version="1.0" encoding="utf-8"?>
 <ds:datastoreItem xmlns:ds="http://schemas.openxmlformats.org/officeDocument/2006/customXml" ds:itemID="{A48C7363-505B-48C8-8421-F5D85B32254E}">
   <ds:schemaRefs>
     <ds:schemaRef ds:uri="http://schemas.microsoft.com/office/2006/metadata/contentType"/>
@@ -20735,20 +20795,4 @@
     <ds:schemaRef ds:uri="http://schemas.microsoft.com/internal/obd"/>
   </ds:schemaRefs>
 </ds:datastoreItem>
-</file>
-
-<file path=customXml/itemProps3.xml><?xml version="1.0" encoding="utf-8"?>
-<ds:datastoreItem xmlns:ds="http://schemas.openxmlformats.org/officeDocument/2006/customXml" ds:itemID="{A3D29A05-72E6-4F99-88B9-7A95D1A09BDF}">
-  <ds:schemaRefs>
-    <ds:schemaRef ds:uri="http://schemas.microsoft.com/office/2006/documentManagement/types"/>
-    <ds:schemaRef ds:uri="http://purl.org/dc/dcmitype/"/>
-    <ds:schemaRef ds:uri="http://purl.org/dc/elements/1.1/"/>
-    <ds:schemaRef ds:uri="http://schemas.openxmlformats.org/package/2006/metadata/core-properties"/>
-    <ds:schemaRef ds:uri="http://www.w3.org/XML/1998/namespace"/>
-    <ds:schemaRef ds:uri="http://schemas.microsoft.com/office/2006/metadata/properties"/>
-    <ds:schemaRef ds:uri="e1016093-e49d-4fde-a266-0160fb5d213d"/>
-    <ds:schemaRef ds:uri="http://purl.org/dc/terms/"/>
-    <ds:schemaRef ds:uri="http://schemas.microsoft.com/office/infopath/2007/PartnerControls"/>
-  </ds:schemaRefs>
-</ds:datastoreItem>
 </file>